--- a/chp5_useraccounts.pptx
+++ b/chp5_useraccounts.pptx
@@ -243,7 +243,7 @@
           <a:p>
             <a:fld id="{79BF8083-5F7C-5E47-9DDC-73B00C7D0A89}" type="datetimeFigureOut">
               <a:rPr lang="en-US" smtClean="0"/>
-              <a:t>2/14/16</a:t>
+              <a:t>2/18/2016</a:t>
             </a:fld>
             <a:endParaRPr lang="en-US"/>
           </a:p>
@@ -409,7 +409,7 @@
             <a:fld id="{BA1C3222-B412-4ABB-89D4-2A6AB69FE23C}" type="datetimeFigureOut">
               <a:rPr lang="en-US" smtClean="0"/>
               <a:pPr/>
-              <a:t>2/14/16</a:t>
+              <a:t>2/18/2016</a:t>
             </a:fld>
             <a:endParaRPr lang="en-US" dirty="0"/>
           </a:p>
@@ -5284,11 +5284,7 @@
           <a:p>
             <a:r>
               <a:rPr lang="en-US" sz="4400" dirty="0" smtClean="0"/>
-              <a:t>Managing User </a:t>
-            </a:r>
-            <a:r>
-              <a:rPr lang="en-US" sz="4400" dirty="0" smtClean="0"/>
-              <a:t>Accounts &amp; Profiles – Chapter 5</a:t>
+              <a:t>Managing User Accounts &amp; Profiles – Chapter 5</a:t>
             </a:r>
             <a:endParaRPr lang="en-US" sz="4400" dirty="0"/>
           </a:p>
@@ -6497,7 +6493,6 @@
               <a:rPr lang="en-US" sz="2400" dirty="0"/>
               <a:t> </a:t>
             </a:r>
-            <a:endParaRPr lang="en-US" sz="2400" dirty="0"/>
           </a:p>
         </p:txBody>
       </p:sp>
@@ -6610,11 +6605,7 @@
             <a:pPr lvl="1"/>
             <a:r>
               <a:rPr lang="en-US" dirty="0" smtClean="0"/>
-              <a:t>A </a:t>
-            </a:r>
-            <a:r>
-              <a:rPr lang="en-US" dirty="0" smtClean="0"/>
-              <a:t>collection </a:t>
+              <a:t>A collection </a:t>
             </a:r>
             <a:r>
               <a:rPr lang="en-US" dirty="0"/>
@@ -6635,11 +6626,7 @@
             <a:pPr lvl="1"/>
             <a:r>
               <a:rPr lang="en-US" dirty="0" smtClean="0"/>
-              <a:t>They</a:t>
-            </a:r>
-            <a:r>
-              <a:rPr lang="en-US" dirty="0" smtClean="0"/>
-              <a:t> </a:t>
+              <a:t>They </a:t>
             </a:r>
             <a:r>
               <a:rPr lang="en-US" dirty="0"/>
@@ -6800,7 +6787,6 @@
               <a:rPr lang="en-US" dirty="0" smtClean="0"/>
               <a:t>savers</a:t>
             </a:r>
-            <a:endParaRPr lang="en-US" dirty="0" smtClean="0"/>
           </a:p>
         </p:txBody>
       </p:sp>
@@ -6918,7 +6904,6 @@
               <a:rPr lang="en-US" dirty="0" smtClean="0"/>
               <a:t> Are created on individual computers that are members of a workgroup to provide access to resources on that computer.</a:t>
             </a:r>
-            <a:endParaRPr lang="en-US" dirty="0" smtClean="0"/>
           </a:p>
         </p:txBody>
       </p:sp>
@@ -7482,11 +7467,7 @@
             </a:r>
             <a:r>
               <a:rPr lang="en-US" dirty="0" smtClean="0"/>
-              <a:t>systems</a:t>
-            </a:r>
-            <a:r>
-              <a:rPr lang="en-US" dirty="0" smtClean="0"/>
-              <a:t>.</a:t>
+              <a:t>systems.</a:t>
             </a:r>
           </a:p>
           <a:p>
